--- a/Template.pptx
+++ b/Template.pptx
@@ -131,7 +131,7 @@
       <c:layout/>
       <c:barChart>
         <c:barDir val="col"/>
-        <c:grouping val="clustered"/>
+        <c:grouping val="stacked"/>
         <c:varyColors val="0"/>
         <c:ser>
           <c:idx val="0"/>
@@ -162,43 +162,46 @@
           <c:invertIfNegative val="0"/>
           <c:cat>
             <c:strRef>
-              <c:f>Sheet1!$A$2:$A$13</c:f>
+              <c:f>Sheet1!$A$2:$A$14</c:f>
               <c:strCache>
-                <c:ptCount val="12"/>
+                <c:ptCount val="13"/>
                 <c:pt idx="0">
+                  <c:v>Human</c:v>
+                </c:pt>
+                <c:pt idx="1">
                   <c:v>Jan</c:v>
                 </c:pt>
-                <c:pt idx="1">
+                <c:pt idx="2">
                   <c:v>Feb</c:v>
                 </c:pt>
-                <c:pt idx="2">
+                <c:pt idx="3">
                   <c:v>Mar</c:v>
                 </c:pt>
-                <c:pt idx="3">
+                <c:pt idx="4">
                   <c:v>Apr</c:v>
                 </c:pt>
-                <c:pt idx="4">
+                <c:pt idx="5">
                   <c:v>May</c:v>
                 </c:pt>
-                <c:pt idx="5">
+                <c:pt idx="6">
                   <c:v>Jun</c:v>
                 </c:pt>
-                <c:pt idx="6">
+                <c:pt idx="7">
                   <c:v>Jul</c:v>
                 </c:pt>
-                <c:pt idx="7">
+                <c:pt idx="8">
                   <c:v>Aug</c:v>
                 </c:pt>
-                <c:pt idx="8">
+                <c:pt idx="9">
                   <c:v>Sep</c:v>
                 </c:pt>
-                <c:pt idx="9">
+                <c:pt idx="10">
                   <c:v>Oct</c:v>
                 </c:pt>
-                <c:pt idx="10">
+                <c:pt idx="11">
                   <c:v>Nov</c:v>
                 </c:pt>
-                <c:pt idx="11">
+                <c:pt idx="12">
                   <c:v>Dec</c:v>
                 </c:pt>
               </c:strCache>
@@ -206,13 +209,10 @@
           </c:cat>
           <c:val>
             <c:numRef>
-              <c:f>Sheet1!$B$2:$B$13</c:f>
+              <c:f>Sheet1!$B$2:$B$14</c:f>
               <c:numCache>
                 <c:formatCode>General</c:formatCode>
-                <c:ptCount val="12"/>
-                <c:pt idx="0">
-                  <c:v>0</c:v>
-                </c:pt>
+                <c:ptCount val="13"/>
                 <c:pt idx="1">
                   <c:v>0</c:v>
                 </c:pt>
@@ -244,6 +244,9 @@
                   <c:v>0</c:v>
                 </c:pt>
                 <c:pt idx="11">
+                  <c:v>0</c:v>
+                </c:pt>
+                <c:pt idx="12">
                   <c:v>0</c:v>
                 </c:pt>
               </c:numCache>
@@ -281,43 +284,46 @@
           <c:invertIfNegative val="0"/>
           <c:cat>
             <c:strRef>
-              <c:f>Sheet1!$A$2:$A$13</c:f>
+              <c:f>Sheet1!$A$2:$A$14</c:f>
               <c:strCache>
-                <c:ptCount val="12"/>
+                <c:ptCount val="13"/>
                 <c:pt idx="0">
+                  <c:v>Human</c:v>
+                </c:pt>
+                <c:pt idx="1">
                   <c:v>Jan</c:v>
                 </c:pt>
-                <c:pt idx="1">
+                <c:pt idx="2">
                   <c:v>Feb</c:v>
                 </c:pt>
-                <c:pt idx="2">
+                <c:pt idx="3">
                   <c:v>Mar</c:v>
                 </c:pt>
-                <c:pt idx="3">
+                <c:pt idx="4">
                   <c:v>Apr</c:v>
                 </c:pt>
-                <c:pt idx="4">
+                <c:pt idx="5">
                   <c:v>May</c:v>
                 </c:pt>
-                <c:pt idx="5">
+                <c:pt idx="6">
                   <c:v>Jun</c:v>
                 </c:pt>
-                <c:pt idx="6">
+                <c:pt idx="7">
                   <c:v>Jul</c:v>
                 </c:pt>
-                <c:pt idx="7">
+                <c:pt idx="8">
                   <c:v>Aug</c:v>
                 </c:pt>
-                <c:pt idx="8">
+                <c:pt idx="9">
                   <c:v>Sep</c:v>
                 </c:pt>
-                <c:pt idx="9">
+                <c:pt idx="10">
                   <c:v>Oct</c:v>
                 </c:pt>
-                <c:pt idx="10">
+                <c:pt idx="11">
                   <c:v>Nov</c:v>
                 </c:pt>
-                <c:pt idx="11">
+                <c:pt idx="12">
                   <c:v>Dec</c:v>
                 </c:pt>
               </c:strCache>
@@ -325,13 +331,10 @@
           </c:cat>
           <c:val>
             <c:numRef>
-              <c:f>Sheet1!$C$2:$C$13</c:f>
+              <c:f>Sheet1!$C$2:$C$14</c:f>
               <c:numCache>
                 <c:formatCode>General</c:formatCode>
-                <c:ptCount val="12"/>
-                <c:pt idx="0">
-                  <c:v>0</c:v>
-                </c:pt>
+                <c:ptCount val="13"/>
                 <c:pt idx="1">
                   <c:v>0</c:v>
                 </c:pt>
@@ -365,6 +368,9 @@
                 <c:pt idx="11">
                   <c:v>0</c:v>
                 </c:pt>
+                <c:pt idx="12">
+                  <c:v>0</c:v>
+                </c:pt>
               </c:numCache>
             </c:numRef>
           </c:val>
@@ -374,22 +380,6 @@
             </c:ext>
           </c:extLst>
         </c:ser>
-        <c:dLbls>
-          <c:showLegendKey val="0"/>
-          <c:showVal val="0"/>
-          <c:showCatName val="0"/>
-          <c:showSerName val="0"/>
-          <c:showPercent val="0"/>
-          <c:showBubbleSize val="0"/>
-        </c:dLbls>
-        <c:gapWidth val="219"/>
-        <c:overlap val="-27"/>
-        <c:axId val="575856863"/>
-        <c:axId val="450358271"/>
-      </c:barChart>
-      <c:lineChart>
-        <c:grouping val="standard"/>
-        <c:varyColors val="0"/>
         <c:ser>
           <c:idx val="2"/>
           <c:order val="2"/>
@@ -405,45 +395,22 @@
             </c:strRef>
           </c:tx>
           <c:spPr>
-            <a:ln w="28575" cap="rnd">
-              <a:solidFill>
-                <a:schemeClr val="accent3"/>
-              </a:solidFill>
-              <a:round/>
+            <a:solidFill>
+              <a:schemeClr val="accent3"/>
+            </a:solidFill>
+            <a:ln>
+              <a:noFill/>
             </a:ln>
             <a:effectLst/>
           </c:spPr>
-          <c:marker>
-            <c:symbol val="none"/>
-          </c:marker>
+          <c:invertIfNegative val="0"/>
           <c:dLbls>
             <c:dLbl>
-              <c:idx val="0"/>
+              <c:idx val="1"/>
               <c:layout>
                 <c:manualLayout>
                   <c:x val="-5.6306757578263748E-2"/>
                   <c:y val="-3.5733131570311327E-2"/>
-                </c:manualLayout>
-              </c:layout>
-              <c:showLegendKey val="0"/>
-              <c:showVal val="1"/>
-              <c:showCatName val="0"/>
-              <c:showSerName val="0"/>
-              <c:showPercent val="0"/>
-              <c:showBubbleSize val="0"/>
-              <c:extLst>
-                <c:ext xmlns:c15="http://schemas.microsoft.com/office/drawing/2012/chart" uri="{CE6537A1-D6FC-4f65-9D91-7224C49458BB}"/>
-                <c:ext xmlns:c16="http://schemas.microsoft.com/office/drawing/2014/chart" uri="{C3380CC4-5D6E-409C-BE32-E72D297353CC}">
-                  <c16:uniqueId val="{00000005-0EA4-4B2A-AE4E-4338F7050D9B}"/>
-                </c:ext>
-              </c:extLst>
-            </c:dLbl>
-            <c:dLbl>
-              <c:idx val="1"/>
-              <c:layout>
-                <c:manualLayout>
-                  <c:x val="-3.4650312355854612E-2"/>
-                  <c:y val="-1.9490799038351599E-2"/>
                 </c:manualLayout>
               </c:layout>
               <c:showLegendKey val="0"/>
@@ -463,8 +430,8 @@
               <c:idx val="2"/>
               <c:layout>
                 <c:manualLayout>
-                  <c:x val="-3.2484667833613742E-2"/>
-                  <c:y val="-9.7453995191757996E-3"/>
+                  <c:x val="-3.4650312355854612E-2"/>
+                  <c:y val="-1.9490799038351599E-2"/>
                 </c:manualLayout>
               </c:layout>
               <c:showLegendKey val="0"/>
@@ -484,8 +451,8 @@
               <c:idx val="3"/>
               <c:layout>
                 <c:manualLayout>
-                  <c:x val="-4.1147245922577354E-2"/>
-                  <c:y val="-1.6242332531959666E-2"/>
+                  <c:x val="-3.2484667833613742E-2"/>
+                  <c:y val="-9.7453995191757996E-3"/>
                 </c:manualLayout>
               </c:layout>
               <c:showLegendKey val="0"/>
@@ -505,6 +472,27 @@
               <c:idx val="4"/>
               <c:layout>
                 <c:manualLayout>
+                  <c:x val="-4.1147245922577354E-2"/>
+                  <c:y val="-1.6242332531959666E-2"/>
+                </c:manualLayout>
+              </c:layout>
+              <c:showLegendKey val="0"/>
+              <c:showVal val="1"/>
+              <c:showCatName val="0"/>
+              <c:showSerName val="0"/>
+              <c:showPercent val="0"/>
+              <c:showBubbleSize val="0"/>
+              <c:extLst>
+                <c:ext xmlns:c15="http://schemas.microsoft.com/office/drawing/2012/chart" uri="{CE6537A1-D6FC-4f65-9D91-7224C49458BB}"/>
+                <c:ext xmlns:c16="http://schemas.microsoft.com/office/drawing/2014/chart" uri="{C3380CC4-5D6E-409C-BE32-E72D297353CC}">
+                  <c16:uniqueId val="{00000000-5325-4D54-B70C-3DA6D8B5214A}"/>
+                </c:ext>
+              </c:extLst>
+            </c:dLbl>
+            <c:dLbl>
+              <c:idx val="5"/>
+              <c:layout>
+                <c:manualLayout>
                   <c:x val="-3.3730153460481034E-2"/>
                   <c:y val="6.4969330127838667E-3"/>
                 </c:manualLayout>
@@ -518,7 +506,7 @@
               <c:extLst>
                 <c:ext xmlns:c15="http://schemas.microsoft.com/office/drawing/2012/chart" uri="{CE6537A1-D6FC-4f65-9D91-7224C49458BB}"/>
                 <c:ext xmlns:c16="http://schemas.microsoft.com/office/drawing/2014/chart" uri="{C3380CC4-5D6E-409C-BE32-E72D297353CC}">
-                  <c16:uniqueId val="{00000000-5325-4D54-B70C-3DA6D8B5214A}"/>
+                  <c16:uniqueId val="{00000000-081B-4592-851B-2F9DF0A3808F}"/>
                 </c:ext>
               </c:extLst>
             </c:dLbl>
@@ -580,43 +568,46 @@
           </c:dLbls>
           <c:cat>
             <c:strRef>
-              <c:f>Sheet1!$A$2:$A$13</c:f>
+              <c:f>Sheet1!$A$2:$A$14</c:f>
               <c:strCache>
-                <c:ptCount val="12"/>
+                <c:ptCount val="13"/>
                 <c:pt idx="0">
+                  <c:v>Human</c:v>
+                </c:pt>
+                <c:pt idx="1">
                   <c:v>Jan</c:v>
                 </c:pt>
-                <c:pt idx="1">
+                <c:pt idx="2">
                   <c:v>Feb</c:v>
                 </c:pt>
-                <c:pt idx="2">
+                <c:pt idx="3">
                   <c:v>Mar</c:v>
                 </c:pt>
-                <c:pt idx="3">
+                <c:pt idx="4">
                   <c:v>Apr</c:v>
                 </c:pt>
-                <c:pt idx="4">
+                <c:pt idx="5">
                   <c:v>May</c:v>
                 </c:pt>
-                <c:pt idx="5">
+                <c:pt idx="6">
                   <c:v>Jun</c:v>
                 </c:pt>
-                <c:pt idx="6">
+                <c:pt idx="7">
                   <c:v>Jul</c:v>
                 </c:pt>
-                <c:pt idx="7">
+                <c:pt idx="8">
                   <c:v>Aug</c:v>
                 </c:pt>
-                <c:pt idx="8">
+                <c:pt idx="9">
                   <c:v>Sep</c:v>
                 </c:pt>
-                <c:pt idx="9">
+                <c:pt idx="10">
                   <c:v>Oct</c:v>
                 </c:pt>
-                <c:pt idx="10">
+                <c:pt idx="11">
                   <c:v>Nov</c:v>
                 </c:pt>
-                <c:pt idx="11">
+                <c:pt idx="12">
                   <c:v>Dec</c:v>
                 </c:pt>
               </c:strCache>
@@ -624,14 +615,13 @@
           </c:cat>
           <c:val>
             <c:numRef>
-              <c:f>Sheet1!$D$2:$D$13</c:f>
+              <c:f>Sheet1!$D$2:$D$14</c:f>
               <c:numCache>
                 <c:formatCode>General</c:formatCode>
-                <c:ptCount val="12"/>
+                <c:ptCount val="13"/>
               </c:numCache>
             </c:numRef>
           </c:val>
-          <c:smooth val="0"/>
           <c:extLst>
             <c:ext xmlns:c16="http://schemas.microsoft.com/office/drawing/2014/chart" uri="{C3380CC4-5D6E-409C-BE32-E72D297353CC}">
               <c16:uniqueId val="{00000002-0EA4-4B2A-AE4E-4338F7050D9B}"/>
@@ -646,11 +636,11 @@
           <c:showPercent val="0"/>
           <c:showBubbleSize val="0"/>
         </c:dLbls>
-        <c:marker val="1"/>
-        <c:smooth val="0"/>
+        <c:gapWidth val="219"/>
+        <c:overlap val="100"/>
         <c:axId val="575856863"/>
         <c:axId val="450358271"/>
-      </c:lineChart>
+      </c:barChart>
       <c:catAx>
         <c:axId val="575856863"/>
         <c:scaling>
@@ -774,8 +764,8 @@
           <c:yMode val="edge"/>
           <c:x val="0.15838861417500713"/>
           <c:y val="0.91403278700265533"/>
-          <c:w val="0.57211152166736634"/>
-          <c:h val="6.6476413958993091E-2"/>
+          <c:w val="0.54519629652601287"/>
+          <c:h val="7.313005422595828E-2"/>
         </c:manualLayout>
       </c:layout>
       <c:overlay val="0"/>
@@ -1533,7 +1523,7 @@
           <a:p>
             <a:fld id="{9FAE018C-C6EC-4CEB-AFDF-70BFAFFC2322}" type="datetimeFigureOut">
               <a:rPr lang="th-TH" smtClean="0"/>
-              <a:t>15/06/63</a:t>
+              <a:t>30/07/63</a:t>
             </a:fld>
             <a:endParaRPr lang="th-TH"/>
           </a:p>
@@ -1733,7 +1723,7 @@
           <a:p>
             <a:fld id="{9FAE018C-C6EC-4CEB-AFDF-70BFAFFC2322}" type="datetimeFigureOut">
               <a:rPr lang="th-TH" smtClean="0"/>
-              <a:t>15/06/63</a:t>
+              <a:t>30/07/63</a:t>
             </a:fld>
             <a:endParaRPr lang="th-TH"/>
           </a:p>
@@ -1943,7 +1933,7 @@
           <a:p>
             <a:fld id="{9FAE018C-C6EC-4CEB-AFDF-70BFAFFC2322}" type="datetimeFigureOut">
               <a:rPr lang="th-TH" smtClean="0"/>
-              <a:t>15/06/63</a:t>
+              <a:t>30/07/63</a:t>
             </a:fld>
             <a:endParaRPr lang="th-TH"/>
           </a:p>
@@ -2143,7 +2133,7 @@
           <a:p>
             <a:fld id="{9FAE018C-C6EC-4CEB-AFDF-70BFAFFC2322}" type="datetimeFigureOut">
               <a:rPr lang="th-TH" smtClean="0"/>
-              <a:t>15/06/63</a:t>
+              <a:t>30/07/63</a:t>
             </a:fld>
             <a:endParaRPr lang="th-TH"/>
           </a:p>
@@ -2419,7 +2409,7 @@
           <a:p>
             <a:fld id="{9FAE018C-C6EC-4CEB-AFDF-70BFAFFC2322}" type="datetimeFigureOut">
               <a:rPr lang="th-TH" smtClean="0"/>
-              <a:t>15/06/63</a:t>
+              <a:t>30/07/63</a:t>
             </a:fld>
             <a:endParaRPr lang="th-TH"/>
           </a:p>
@@ -2687,7 +2677,7 @@
           <a:p>
             <a:fld id="{9FAE018C-C6EC-4CEB-AFDF-70BFAFFC2322}" type="datetimeFigureOut">
               <a:rPr lang="th-TH" smtClean="0"/>
-              <a:t>15/06/63</a:t>
+              <a:t>30/07/63</a:t>
             </a:fld>
             <a:endParaRPr lang="th-TH"/>
           </a:p>
@@ -3102,7 +3092,7 @@
           <a:p>
             <a:fld id="{9FAE018C-C6EC-4CEB-AFDF-70BFAFFC2322}" type="datetimeFigureOut">
               <a:rPr lang="th-TH" smtClean="0"/>
-              <a:t>15/06/63</a:t>
+              <a:t>30/07/63</a:t>
             </a:fld>
             <a:endParaRPr lang="th-TH"/>
           </a:p>
@@ -3244,7 +3234,7 @@
           <a:p>
             <a:fld id="{9FAE018C-C6EC-4CEB-AFDF-70BFAFFC2322}" type="datetimeFigureOut">
               <a:rPr lang="th-TH" smtClean="0"/>
-              <a:t>15/06/63</a:t>
+              <a:t>30/07/63</a:t>
             </a:fld>
             <a:endParaRPr lang="th-TH"/>
           </a:p>
@@ -3357,7 +3347,7 @@
           <a:p>
             <a:fld id="{9FAE018C-C6EC-4CEB-AFDF-70BFAFFC2322}" type="datetimeFigureOut">
               <a:rPr lang="th-TH" smtClean="0"/>
-              <a:t>15/06/63</a:t>
+              <a:t>30/07/63</a:t>
             </a:fld>
             <a:endParaRPr lang="th-TH"/>
           </a:p>
@@ -3670,7 +3660,7 @@
           <a:p>
             <a:fld id="{9FAE018C-C6EC-4CEB-AFDF-70BFAFFC2322}" type="datetimeFigureOut">
               <a:rPr lang="th-TH" smtClean="0"/>
-              <a:t>15/06/63</a:t>
+              <a:t>30/07/63</a:t>
             </a:fld>
             <a:endParaRPr lang="th-TH"/>
           </a:p>
@@ -3959,7 +3949,7 @@
           <a:p>
             <a:fld id="{9FAE018C-C6EC-4CEB-AFDF-70BFAFFC2322}" type="datetimeFigureOut">
               <a:rPr lang="th-TH" smtClean="0"/>
-              <a:t>15/06/63</a:t>
+              <a:t>30/07/63</a:t>
             </a:fld>
             <a:endParaRPr lang="th-TH"/>
           </a:p>
@@ -4202,7 +4192,7 @@
           <a:p>
             <a:fld id="{9FAE018C-C6EC-4CEB-AFDF-70BFAFFC2322}" type="datetimeFigureOut">
               <a:rPr lang="th-TH" smtClean="0"/>
-              <a:t>15/06/63</a:t>
+              <a:t>30/07/63</a:t>
             </a:fld>
             <a:endParaRPr lang="th-TH"/>
           </a:p>
@@ -5591,7 +5581,7 @@
           <p:nvPr>
             <p:extLst>
               <p:ext uri="{D42A27DB-BD31-4B8C-83A1-F6EECF244321}">
-                <p14:modId xmlns:p14="http://schemas.microsoft.com/office/powerpoint/2010/main" val="4248933748"/>
+                <p14:modId xmlns:p14="http://schemas.microsoft.com/office/powerpoint/2010/main" val="185674537"/>
               </p:ext>
             </p:extLst>
           </p:nvPr>
@@ -5730,8 +5720,8 @@
         </p:nvSpPr>
         <p:spPr>
           <a:xfrm>
-            <a:off x="4991620" y="1411836"/>
-            <a:ext cx="1361655" cy="584775"/>
+            <a:off x="5008398" y="1411836"/>
+            <a:ext cx="1215076" cy="584775"/>
           </a:xfrm>
           <a:prstGeom prst="rect">
             <a:avLst/>
@@ -5766,7 +5756,7 @@
                 </a:solidFill>
                 <a:cs typeface="+mj-cs"/>
               </a:rPr>
-              <a:t>Trans / Month</a:t>
+              <a:t>No. / Month</a:t>
             </a:r>
             <a:endParaRPr lang="th-TH" sz="1600" dirty="0">
               <a:solidFill>
@@ -5866,7 +5856,7 @@
                 </a:solidFill>
                 <a:cs typeface="+mj-cs"/>
               </a:rPr>
-              <a:t>1 Trans = ~</a:t>
+              <a:t>1 No. = ~</a:t>
             </a:r>
           </a:p>
         </p:txBody>
@@ -6633,10 +6623,10 @@
         </p:nvGrpSpPr>
         <p:grpSpPr>
           <a:xfrm>
-            <a:off x="4109229" y="6442249"/>
-            <a:ext cx="2594781" cy="415751"/>
-            <a:chOff x="4109229" y="6442249"/>
-            <a:chExt cx="2594781" cy="415751"/>
+            <a:off x="4080551" y="6506381"/>
+            <a:ext cx="2816907" cy="394270"/>
+            <a:chOff x="4208918" y="6503215"/>
+            <a:chExt cx="2816907" cy="394270"/>
           </a:xfrm>
         </p:grpSpPr>
         <p:sp>
@@ -6653,7 +6643,7 @@
           </p:nvSpPr>
           <p:spPr>
             <a:xfrm>
-              <a:off x="4109229" y="6442249"/>
+              <a:off x="4567516" y="6503215"/>
               <a:ext cx="2127505" cy="253916"/>
             </a:xfrm>
             <a:prstGeom prst="rect">
@@ -6689,8 +6679,8 @@
           </p:nvSpPr>
           <p:spPr>
             <a:xfrm>
-              <a:off x="4305807" y="6604084"/>
-              <a:ext cx="514885" cy="253916"/>
+              <a:off x="4327650" y="6620486"/>
+              <a:ext cx="2698175" cy="276999"/>
             </a:xfrm>
             <a:prstGeom prst="rect">
               <a:avLst/>
@@ -6705,79 +6695,15 @@
             <a:p>
               <a:r>
                 <a:rPr lang="en-US" sz="1050" dirty="0"/>
-                <a:t>&lt;= 5%</a:t>
+                <a:t>Count of Sys Exception </a:t>
               </a:r>
-              <a:endParaRPr lang="th-TH" sz="1050" dirty="0"/>
-            </a:p>
-          </p:txBody>
-        </p:sp>
-        <p:sp>
-          <p:nvSpPr>
-            <p:cNvPr id="80" name="TextBox 79">
-              <a:extLst>
-                <a:ext uri="{FF2B5EF4-FFF2-40B4-BE49-F238E27FC236}">
-                  <a16:creationId xmlns:a16="http://schemas.microsoft.com/office/drawing/2014/main" id="{68AF311F-C4E7-4C54-BB6E-D7FB53C4442F}"/>
-                </a:ext>
-              </a:extLst>
-            </p:cNvPr>
-            <p:cNvSpPr txBox="1"/>
-            <p:nvPr/>
-          </p:nvSpPr>
-          <p:spPr>
-            <a:xfrm>
-              <a:off x="5002607" y="6604084"/>
-              <a:ext cx="1031051" cy="253916"/>
-            </a:xfrm>
-            <a:prstGeom prst="rect">
-              <a:avLst/>
-            </a:prstGeom>
-            <a:noFill/>
-          </p:spPr>
-          <p:txBody>
-            <a:bodyPr wrap="none" rtlCol="0">
-              <a:spAutoFit/>
-            </a:bodyPr>
-            <a:lstStyle/>
-            <a:p>
+              <a:r>
+                <a:rPr lang="en-US" sz="1200" b="1" dirty="0"/>
+                <a:t>:</a:t>
+              </a:r>
               <a:r>
                 <a:rPr lang="en-US" sz="1050" dirty="0"/>
-                <a:t>&gt; 5 But &lt;= 10 %</a:t>
-              </a:r>
-              <a:endParaRPr lang="th-TH" sz="1050" dirty="0"/>
-            </a:p>
-          </p:txBody>
-        </p:sp>
-        <p:sp>
-          <p:nvSpPr>
-            <p:cNvPr id="81" name="TextBox 80">
-              <a:extLst>
-                <a:ext uri="{FF2B5EF4-FFF2-40B4-BE49-F238E27FC236}">
-                  <a16:creationId xmlns:a16="http://schemas.microsoft.com/office/drawing/2014/main" id="{E0B62B17-3461-44FF-8903-87F454B0E71D}"/>
-                </a:ext>
-              </a:extLst>
-            </p:cNvPr>
-            <p:cNvSpPr txBox="1"/>
-            <p:nvPr/>
-          </p:nvSpPr>
-          <p:spPr>
-            <a:xfrm>
-              <a:off x="6187522" y="6604084"/>
-              <a:ext cx="516488" cy="253916"/>
-            </a:xfrm>
-            <a:prstGeom prst="rect">
-              <a:avLst/>
-            </a:prstGeom>
-            <a:noFill/>
-          </p:spPr>
-          <p:txBody>
-            <a:bodyPr wrap="none" rtlCol="0">
-              <a:spAutoFit/>
-            </a:bodyPr>
-            <a:lstStyle/>
-            <a:p>
-              <a:r>
-                <a:rPr lang="en-US" sz="1050" dirty="0"/>
-                <a:t>&gt; 10%</a:t>
+                <a:t> Total Run Per Month </a:t>
               </a:r>
               <a:endParaRPr lang="th-TH" sz="1050" dirty="0"/>
             </a:p>
@@ -6840,143 +6766,7 @@
           </p:blipFill>
           <p:spPr>
             <a:xfrm>
-              <a:off x="4183013" y="6658064"/>
-              <a:ext cx="188990" cy="161877"/>
-            </a:xfrm>
-            <a:prstGeom prst="rect">
-              <a:avLst/>
-            </a:prstGeom>
-          </p:spPr>
-        </p:pic>
-        <p:pic>
-          <p:nvPicPr>
-            <p:cNvPr id="116" name="Picture 115">
-              <a:extLst>
-                <a:ext uri="{FF2B5EF4-FFF2-40B4-BE49-F238E27FC236}">
-                  <a16:creationId xmlns:a16="http://schemas.microsoft.com/office/drawing/2014/main" id="{CCD113B5-E6B6-4B55-908C-A66F9D548207}"/>
-                </a:ext>
-              </a:extLst>
-            </p:cNvPr>
-            <p:cNvPicPr>
-              <a:picLocks noChangeAspect="1"/>
-            </p:cNvPicPr>
-            <p:nvPr/>
-          </p:nvPicPr>
-          <p:blipFill>
-            <a:blip r:embed="rId11">
-              <a:duotone>
-                <a:schemeClr val="accent4">
-                  <a:shade val="45000"/>
-                  <a:satMod val="135000"/>
-                </a:schemeClr>
-                <a:prstClr val="white"/>
-              </a:duotone>
-              <a:extLst>
-                <a:ext uri="{BEBA8EAE-BF5A-486C-A8C5-ECC9F3942E4B}">
-                  <a14:imgProps xmlns:a14="http://schemas.microsoft.com/office/drawing/2010/main">
-                    <a14:imgLayer r:embed="rId10">
-                      <a14:imgEffect>
-                        <a14:backgroundRemoval t="3941" b="96059" l="3376" r="94726">
-                          <a14:foregroundMark x1="21097" y1="25123" x2="17932" y2="16256"/>
-                          <a14:foregroundMark x1="17722" y1="14286" x2="17300" y2="13300"/>
-                          <a14:foregroundMark x1="44726" y1="20443" x2="47468" y2="20443"/>
-                          <a14:foregroundMark x1="49789" y1="4433" x2="49789" y2="4433"/>
-                          <a14:foregroundMark x1="82911" y1="14532" x2="82911" y2="14532"/>
-                          <a14:foregroundMark x1="90506" y1="54187" x2="90506" y2="54187"/>
-                          <a14:foregroundMark x1="94726" y1="56650" x2="94726" y2="56650"/>
-                          <a14:foregroundMark x1="11814" y1="49261" x2="8017" y2="53202"/>
-                          <a14:foregroundMark x1="3586" y1="57635" x2="3586" y2="57635"/>
-                          <a14:foregroundMark x1="14346" y1="85468" x2="14346" y2="85468"/>
-                          <a14:foregroundMark x1="45781" y1="92365" x2="45781" y2="92365"/>
-                          <a14:foregroundMark x1="48523" y1="96059" x2="48523" y2="96059"/>
-                          <a14:foregroundMark x1="63502" y1="75862" x2="63502" y2="75862"/>
-                          <a14:foregroundMark x1="83544" y1="78818" x2="87764" y2="90887"/>
-                          <a14:foregroundMark x1="87764" y1="90887" x2="87975" y2="91133"/>
-                        </a14:backgroundRemoval>
-                      </a14:imgEffect>
-                      <a14:imgEffect>
-                        <a14:brightnessContrast bright="-40000"/>
-                      </a14:imgEffect>
-                    </a14:imgLayer>
-                  </a14:imgProps>
-                </a:ext>
-              </a:extLst>
-            </a:blip>
-            <a:stretch>
-              <a:fillRect/>
-            </a:stretch>
-          </p:blipFill>
-          <p:spPr>
-            <a:xfrm>
-              <a:off x="4868767" y="6658064"/>
-              <a:ext cx="188990" cy="161877"/>
-            </a:xfrm>
-            <a:prstGeom prst="rect">
-              <a:avLst/>
-            </a:prstGeom>
-          </p:spPr>
-        </p:pic>
-        <p:pic>
-          <p:nvPicPr>
-            <p:cNvPr id="117" name="Picture 116">
-              <a:extLst>
-                <a:ext uri="{FF2B5EF4-FFF2-40B4-BE49-F238E27FC236}">
-                  <a16:creationId xmlns:a16="http://schemas.microsoft.com/office/drawing/2014/main" id="{DD44FCD2-BFED-40B1-8DD3-62A3A4554087}"/>
-                </a:ext>
-              </a:extLst>
-            </p:cNvPr>
-            <p:cNvPicPr>
-              <a:picLocks noChangeAspect="1"/>
-            </p:cNvPicPr>
-            <p:nvPr/>
-          </p:nvPicPr>
-          <p:blipFill>
-            <a:blip r:embed="rId12">
-              <a:duotone>
-                <a:schemeClr val="accent2">
-                  <a:shade val="45000"/>
-                  <a:satMod val="135000"/>
-                </a:schemeClr>
-                <a:prstClr val="white"/>
-              </a:duotone>
-              <a:extLst>
-                <a:ext uri="{BEBA8EAE-BF5A-486C-A8C5-ECC9F3942E4B}">
-                  <a14:imgProps xmlns:a14="http://schemas.microsoft.com/office/drawing/2010/main">
-                    <a14:imgLayer r:embed="rId10">
-                      <a14:imgEffect>
-                        <a14:backgroundRemoval t="3941" b="96059" l="3376" r="94726">
-                          <a14:foregroundMark x1="21097" y1="25123" x2="17932" y2="16256"/>
-                          <a14:foregroundMark x1="17722" y1="14286" x2="17300" y2="13300"/>
-                          <a14:foregroundMark x1="44726" y1="20443" x2="47468" y2="20443"/>
-                          <a14:foregroundMark x1="49789" y1="4433" x2="49789" y2="4433"/>
-                          <a14:foregroundMark x1="82911" y1="14532" x2="82911" y2="14532"/>
-                          <a14:foregroundMark x1="90506" y1="54187" x2="90506" y2="54187"/>
-                          <a14:foregroundMark x1="94726" y1="56650" x2="94726" y2="56650"/>
-                          <a14:foregroundMark x1="11814" y1="49261" x2="8017" y2="53202"/>
-                          <a14:foregroundMark x1="3586" y1="57635" x2="3586" y2="57635"/>
-                          <a14:foregroundMark x1="14346" y1="85468" x2="14346" y2="85468"/>
-                          <a14:foregroundMark x1="45781" y1="92365" x2="45781" y2="92365"/>
-                          <a14:foregroundMark x1="48523" y1="96059" x2="48523" y2="96059"/>
-                          <a14:foregroundMark x1="63502" y1="75862" x2="63502" y2="75862"/>
-                          <a14:foregroundMark x1="83544" y1="78818" x2="87764" y2="90887"/>
-                          <a14:foregroundMark x1="87764" y1="90887" x2="87975" y2="91133"/>
-                        </a14:backgroundRemoval>
-                      </a14:imgEffect>
-                      <a14:imgEffect>
-                        <a14:brightnessContrast bright="-40000" contrast="40000"/>
-                      </a14:imgEffect>
-                    </a14:imgLayer>
-                  </a14:imgProps>
-                </a:ext>
-              </a:extLst>
-            </a:blip>
-            <a:stretch>
-              <a:fillRect/>
-            </a:stretch>
-          </p:blipFill>
-          <p:spPr>
-            <a:xfrm>
-              <a:off x="6047603" y="6658064"/>
+              <a:off x="4208918" y="6660496"/>
               <a:ext cx="188990" cy="161877"/>
             </a:xfrm>
             <a:prstGeom prst="rect">
@@ -7142,7 +6932,6 @@
           </a:bodyPr>
           <a:lstStyle/>
           <a:p>
-            <a:pPr algn="r"/>
             <a:r>
               <a:rPr lang="en-US" sz="1400" dirty="0"/>
               <a:t>&lt;&lt;CUR1&gt;&gt;</a:t>
@@ -7388,7 +7177,6 @@
           </a:bodyPr>
           <a:lstStyle/>
           <a:p>
-            <a:pPr algn="r"/>
             <a:r>
               <a:rPr lang="en-US" sz="1400" dirty="0"/>
               <a:t>&lt;&lt;CUR2&gt;&gt;</a:t>
@@ -7461,7 +7249,6 @@
           </a:bodyPr>
           <a:lstStyle/>
           <a:p>
-            <a:pPr algn="r"/>
             <a:r>
               <a:rPr lang="en-US" sz="1400" dirty="0"/>
               <a:t>&lt;&lt;CUR3&gt;&gt;</a:t>
@@ -7534,7 +7321,6 @@
           </a:bodyPr>
           <a:lstStyle/>
           <a:p>
-            <a:pPr algn="r"/>
             <a:r>
               <a:rPr lang="en-US" sz="1400" dirty="0"/>
               <a:t>&lt;&lt;CUR4&gt;&gt;</a:t>
@@ -7557,7 +7343,7 @@
         </p:nvSpPr>
         <p:spPr>
           <a:xfrm>
-            <a:off x="4573213" y="1658526"/>
+            <a:off x="4472545" y="1658526"/>
             <a:ext cx="1838965" cy="338554"/>
           </a:xfrm>
           <a:prstGeom prst="rect">
@@ -7607,7 +7393,7 @@
         </p:nvSpPr>
         <p:spPr>
           <a:xfrm>
-            <a:off x="4573213" y="1421569"/>
+            <a:off x="4472545" y="1421569"/>
             <a:ext cx="1810111" cy="338554"/>
           </a:xfrm>
           <a:prstGeom prst="rect">
@@ -7657,7 +7443,7 @@
         </p:nvSpPr>
         <p:spPr>
           <a:xfrm>
-            <a:off x="599979" y="6617119"/>
+            <a:off x="572269" y="6619168"/>
             <a:ext cx="1327608" cy="253916"/>
           </a:xfrm>
           <a:prstGeom prst="rect">
@@ -7757,7 +7543,6 @@
           </a:bodyPr>
           <a:lstStyle/>
           <a:p>
-            <a:pPr algn="r"/>
             <a:r>
               <a:rPr lang="en-US" sz="1400" dirty="0"/>
               <a:t>&lt;&lt;CUR5&gt;&gt;</a:t>
@@ -7830,7 +7615,6 @@
           </a:bodyPr>
           <a:lstStyle/>
           <a:p>
-            <a:pPr algn="r"/>
             <a:r>
               <a:rPr lang="en-US" sz="1400" dirty="0"/>
               <a:t>&lt;&lt;CUR6&gt;&gt;</a:t>
@@ -8065,7 +7849,6 @@
           </a:bodyPr>
           <a:lstStyle/>
           <a:p>
-            <a:pPr algn="r"/>
             <a:r>
               <a:rPr lang="en-US" sz="1400" dirty="0"/>
               <a:t>&lt;&lt;CUR7&gt;&gt;</a:t>
@@ -8138,7 +7921,6 @@
           </a:bodyPr>
           <a:lstStyle/>
           <a:p>
-            <a:pPr algn="r"/>
             <a:r>
               <a:rPr lang="en-US" sz="1400" dirty="0"/>
               <a:t>&lt;&lt;CUR8&gt;&gt;</a:t>
@@ -8211,7 +7993,6 @@
           </a:bodyPr>
           <a:lstStyle/>
           <a:p>
-            <a:pPr algn="r"/>
             <a:r>
               <a:rPr lang="en-US" sz="1400" dirty="0"/>
               <a:t>&lt;&lt;CUR9&gt;&gt;</a:t>
@@ -8284,7 +8065,6 @@
           </a:bodyPr>
           <a:lstStyle/>
           <a:p>
-            <a:pPr algn="r"/>
             <a:r>
               <a:rPr lang="en-US" sz="1400" dirty="0"/>
               <a:t>&lt;&lt;CUR10&gt;&gt;</a:t>
@@ -8357,7 +8137,6 @@
           </a:bodyPr>
           <a:lstStyle/>
           <a:p>
-            <a:pPr algn="r"/>
             <a:r>
               <a:rPr lang="en-US" sz="1400" dirty="0"/>
               <a:t>&lt;&lt;CUR11&gt;&gt;</a:t>
@@ -8430,7 +8209,6 @@
           </a:bodyPr>
           <a:lstStyle/>
           <a:p>
-            <a:pPr algn="r"/>
             <a:r>
               <a:rPr lang="en-US" sz="1400" dirty="0"/>
               <a:t>&lt;&lt;CUR12&gt;&gt;</a:t>
@@ -8453,8 +8231,8 @@
         </p:nvSpPr>
         <p:spPr>
           <a:xfrm>
-            <a:off x="6393031" y="1381809"/>
-            <a:ext cx="1051891" cy="307777"/>
+            <a:off x="6200084" y="1398587"/>
+            <a:ext cx="928459" cy="276999"/>
           </a:xfrm>
           <a:prstGeom prst="rect">
             <a:avLst/>
@@ -8468,10 +8246,10 @@
           <a:lstStyle/>
           <a:p>
             <a:r>
-              <a:rPr lang="en-US" sz="1400" b="1" dirty="0"/>
+              <a:rPr lang="en-US" sz="1200" b="1" dirty="0"/>
               <a:t>&lt;&lt;BUGS1&gt;&gt;</a:t>
             </a:r>
-            <a:endParaRPr lang="th-TH" sz="1400" b="1" dirty="0"/>
+            <a:endParaRPr lang="th-TH" sz="1200" b="1" dirty="0"/>
           </a:p>
         </p:txBody>
       </p:sp>
@@ -8489,8 +8267,8 @@
         </p:nvSpPr>
         <p:spPr>
           <a:xfrm>
-            <a:off x="6393031" y="1602202"/>
-            <a:ext cx="1051891" cy="307777"/>
+            <a:off x="6200084" y="1618980"/>
+            <a:ext cx="928459" cy="276999"/>
           </a:xfrm>
           <a:prstGeom prst="rect">
             <a:avLst/>
@@ -8504,10 +8282,10 @@
           <a:lstStyle/>
           <a:p>
             <a:r>
-              <a:rPr lang="en-US" sz="1400" b="1" dirty="0"/>
+              <a:rPr lang="en-US" sz="1200" b="1" dirty="0"/>
               <a:t>&lt;&lt;BUGS2&gt;&gt;</a:t>
             </a:r>
-            <a:endParaRPr lang="th-TH" sz="1400" b="1" dirty="0"/>
+            <a:endParaRPr lang="th-TH" sz="1200" b="1" dirty="0"/>
           </a:p>
         </p:txBody>
       </p:sp>
@@ -8525,8 +8303,8 @@
         </p:nvSpPr>
         <p:spPr>
           <a:xfrm>
-            <a:off x="6393031" y="1838240"/>
-            <a:ext cx="1051891" cy="307777"/>
+            <a:off x="6200084" y="1855018"/>
+            <a:ext cx="928459" cy="276999"/>
           </a:xfrm>
           <a:prstGeom prst="rect">
             <a:avLst/>
@@ -8540,10 +8318,10 @@
           <a:lstStyle/>
           <a:p>
             <a:r>
-              <a:rPr lang="en-US" sz="1400" b="1" dirty="0"/>
+              <a:rPr lang="en-US" sz="1200" b="1" dirty="0"/>
               <a:t>&lt;&lt;BUGS3&gt;&gt;</a:t>
             </a:r>
-            <a:endParaRPr lang="th-TH" sz="1400" b="1" dirty="0"/>
+            <a:endParaRPr lang="th-TH" sz="1200" b="1" dirty="0"/>
           </a:p>
         </p:txBody>
       </p:sp>
@@ -8561,8 +8339,8 @@
         </p:nvSpPr>
         <p:spPr>
           <a:xfrm>
-            <a:off x="6393031" y="2065498"/>
-            <a:ext cx="1051891" cy="307777"/>
+            <a:off x="6200084" y="2082276"/>
+            <a:ext cx="928459" cy="276999"/>
           </a:xfrm>
           <a:prstGeom prst="rect">
             <a:avLst/>
@@ -8576,10 +8354,10 @@
           <a:lstStyle/>
           <a:p>
             <a:r>
-              <a:rPr lang="en-US" sz="1400" b="1" dirty="0"/>
+              <a:rPr lang="en-US" sz="1200" b="1" dirty="0"/>
               <a:t>&lt;&lt;BUGS4&gt;&gt;</a:t>
             </a:r>
-            <a:endParaRPr lang="th-TH" sz="1400" b="1" dirty="0"/>
+            <a:endParaRPr lang="th-TH" sz="1200" b="1" dirty="0"/>
           </a:p>
         </p:txBody>
       </p:sp>
@@ -8597,8 +8375,8 @@
         </p:nvSpPr>
         <p:spPr>
           <a:xfrm>
-            <a:off x="6393031" y="2277915"/>
-            <a:ext cx="1051891" cy="307777"/>
+            <a:off x="6200084" y="2294693"/>
+            <a:ext cx="928459" cy="276999"/>
           </a:xfrm>
           <a:prstGeom prst="rect">
             <a:avLst/>
@@ -8612,10 +8390,10 @@
           <a:lstStyle/>
           <a:p>
             <a:r>
-              <a:rPr lang="en-US" sz="1400" b="1" dirty="0"/>
+              <a:rPr lang="en-US" sz="1200" b="1" dirty="0"/>
               <a:t>&lt;&lt;BUGS5&gt;&gt;</a:t>
             </a:r>
-            <a:endParaRPr lang="th-TH" sz="1400" b="1" dirty="0"/>
+            <a:endParaRPr lang="th-TH" sz="1200" b="1" dirty="0"/>
           </a:p>
         </p:txBody>
       </p:sp>
@@ -8633,8 +8411,8 @@
         </p:nvSpPr>
         <p:spPr>
           <a:xfrm>
-            <a:off x="6393031" y="2490339"/>
-            <a:ext cx="1051891" cy="307777"/>
+            <a:off x="6200084" y="2507117"/>
+            <a:ext cx="928459" cy="276999"/>
           </a:xfrm>
           <a:prstGeom prst="rect">
             <a:avLst/>
@@ -8648,10 +8426,10 @@
           <a:lstStyle/>
           <a:p>
             <a:r>
-              <a:rPr lang="en-US" sz="1400" b="1" dirty="0"/>
+              <a:rPr lang="en-US" sz="1200" b="1" dirty="0"/>
               <a:t>&lt;&lt;BUGS6&gt;&gt;</a:t>
             </a:r>
-            <a:endParaRPr lang="th-TH" sz="1400" b="1" dirty="0"/>
+            <a:endParaRPr lang="th-TH" sz="1200" b="1" dirty="0"/>
           </a:p>
         </p:txBody>
       </p:sp>
@@ -8669,8 +8447,8 @@
         </p:nvSpPr>
         <p:spPr>
           <a:xfrm>
-            <a:off x="6393031" y="2724836"/>
-            <a:ext cx="1051891" cy="307777"/>
+            <a:off x="6200084" y="2741614"/>
+            <a:ext cx="928459" cy="276999"/>
           </a:xfrm>
           <a:prstGeom prst="rect">
             <a:avLst/>
@@ -8684,10 +8462,10 @@
           <a:lstStyle/>
           <a:p>
             <a:r>
-              <a:rPr lang="en-US" sz="1400" b="1" dirty="0"/>
+              <a:rPr lang="en-US" sz="1200" b="1" dirty="0"/>
               <a:t>&lt;&lt;BUGS7&gt;&gt;</a:t>
             </a:r>
-            <a:endParaRPr lang="th-TH" sz="1400" b="1" dirty="0"/>
+            <a:endParaRPr lang="th-TH" sz="1200" b="1" dirty="0"/>
           </a:p>
         </p:txBody>
       </p:sp>
@@ -8705,8 +8483,8 @@
         </p:nvSpPr>
         <p:spPr>
           <a:xfrm>
-            <a:off x="6393031" y="2943749"/>
-            <a:ext cx="1051891" cy="307777"/>
+            <a:off x="6200084" y="2960527"/>
+            <a:ext cx="928459" cy="276999"/>
           </a:xfrm>
           <a:prstGeom prst="rect">
             <a:avLst/>
@@ -8720,10 +8498,10 @@
           <a:lstStyle/>
           <a:p>
             <a:r>
-              <a:rPr lang="en-US" sz="1400" b="1" dirty="0"/>
+              <a:rPr lang="en-US" sz="1200" b="1" dirty="0"/>
               <a:t>&lt;&lt;BUGS8&gt;&gt;</a:t>
             </a:r>
-            <a:endParaRPr lang="th-TH" sz="1400" b="1" dirty="0"/>
+            <a:endParaRPr lang="th-TH" sz="1200" b="1" dirty="0"/>
           </a:p>
         </p:txBody>
       </p:sp>
@@ -8741,8 +8519,8 @@
         </p:nvSpPr>
         <p:spPr>
           <a:xfrm>
-            <a:off x="6393031" y="3188990"/>
-            <a:ext cx="1051891" cy="307777"/>
+            <a:off x="6200084" y="3205768"/>
+            <a:ext cx="928459" cy="276999"/>
           </a:xfrm>
           <a:prstGeom prst="rect">
             <a:avLst/>
@@ -8756,10 +8534,10 @@
           <a:lstStyle/>
           <a:p>
             <a:r>
-              <a:rPr lang="en-US" sz="1400" b="1" dirty="0"/>
+              <a:rPr lang="en-US" sz="1200" b="1" dirty="0"/>
               <a:t>&lt;&lt;BUGS9&gt;&gt;</a:t>
             </a:r>
-            <a:endParaRPr lang="th-TH" sz="1400" b="1" dirty="0"/>
+            <a:endParaRPr lang="th-TH" sz="1200" b="1" dirty="0"/>
           </a:p>
         </p:txBody>
       </p:sp>
@@ -8777,8 +8555,8 @@
         </p:nvSpPr>
         <p:spPr>
           <a:xfrm>
-            <a:off x="6393031" y="3394785"/>
-            <a:ext cx="1143262" cy="307777"/>
+            <a:off x="6200084" y="3411563"/>
+            <a:ext cx="1007007" cy="276999"/>
           </a:xfrm>
           <a:prstGeom prst="rect">
             <a:avLst/>
@@ -8792,10 +8570,10 @@
           <a:lstStyle/>
           <a:p>
             <a:r>
-              <a:rPr lang="en-US" sz="1400" b="1" dirty="0"/>
+              <a:rPr lang="en-US" sz="1200" b="1" dirty="0"/>
               <a:t>&lt;&lt;BUGS10&gt;&gt;</a:t>
             </a:r>
-            <a:endParaRPr lang="th-TH" sz="1400" b="1" dirty="0"/>
+            <a:endParaRPr lang="th-TH" sz="1200" b="1" dirty="0"/>
           </a:p>
         </p:txBody>
       </p:sp>
@@ -8813,8 +8591,8 @@
         </p:nvSpPr>
         <p:spPr>
           <a:xfrm>
-            <a:off x="6393031" y="3612921"/>
-            <a:ext cx="1143262" cy="307777"/>
+            <a:off x="6200084" y="3629699"/>
+            <a:ext cx="1007007" cy="276999"/>
           </a:xfrm>
           <a:prstGeom prst="rect">
             <a:avLst/>
@@ -8828,10 +8606,10 @@
           <a:lstStyle/>
           <a:p>
             <a:r>
-              <a:rPr lang="en-US" sz="1400" b="1" dirty="0"/>
+              <a:rPr lang="en-US" sz="1200" b="1" dirty="0"/>
               <a:t>&lt;&lt;BUGS11&gt;&gt;</a:t>
             </a:r>
-            <a:endParaRPr lang="th-TH" sz="1400" b="1" dirty="0"/>
+            <a:endParaRPr lang="th-TH" sz="1200" b="1" dirty="0"/>
           </a:p>
         </p:txBody>
       </p:sp>
@@ -8849,8 +8627,8 @@
         </p:nvSpPr>
         <p:spPr>
           <a:xfrm>
-            <a:off x="6393031" y="3831840"/>
-            <a:ext cx="1143262" cy="307777"/>
+            <a:off x="6200084" y="3840229"/>
+            <a:ext cx="1007007" cy="276999"/>
           </a:xfrm>
           <a:prstGeom prst="rect">
             <a:avLst/>
@@ -8864,10 +8642,10 @@
           <a:lstStyle/>
           <a:p>
             <a:r>
-              <a:rPr lang="en-US" sz="1400" b="1" dirty="0"/>
+              <a:rPr lang="en-US" sz="1200" b="1" dirty="0"/>
               <a:t>&lt;&lt;BUGS12&gt;&gt;</a:t>
             </a:r>
-            <a:endParaRPr lang="th-TH" sz="1400" b="1" dirty="0"/>
+            <a:endParaRPr lang="th-TH" sz="1200" b="1" dirty="0"/>
           </a:p>
         </p:txBody>
       </p:sp>
@@ -8885,7 +8663,7 @@
         </p:nvSpPr>
         <p:spPr>
           <a:xfrm>
-            <a:off x="2640857" y="1372122"/>
+            <a:off x="3276839" y="1372122"/>
             <a:ext cx="543739" cy="523220"/>
           </a:xfrm>
           <a:prstGeom prst="rect">
@@ -8967,6 +8745,458 @@
               <a:latin typeface="Aharoni" panose="02010803020104030203" pitchFamily="2" charset="-79"/>
               <a:cs typeface="+mj-cs"/>
             </a:endParaRPr>
+          </a:p>
+        </p:txBody>
+      </p:sp>
+      <p:sp>
+        <p:nvSpPr>
+          <p:cNvPr id="146" name="TextBox 145">
+            <a:extLst>
+              <a:ext uri="{FF2B5EF4-FFF2-40B4-BE49-F238E27FC236}">
+                <a16:creationId xmlns:a16="http://schemas.microsoft.com/office/drawing/2014/main" id="{84181895-898B-4575-A936-13795FB8543B}"/>
+              </a:ext>
+            </a:extLst>
+          </p:cNvPr>
+          <p:cNvSpPr txBox="1"/>
+          <p:nvPr/>
+        </p:nvSpPr>
+        <p:spPr>
+          <a:xfrm>
+            <a:off x="5405944" y="3740125"/>
+            <a:ext cx="806631" cy="246221"/>
+          </a:xfrm>
+          <a:prstGeom prst="rect">
+            <a:avLst/>
+          </a:prstGeom>
+          <a:noFill/>
+        </p:spPr>
+        <p:txBody>
+          <a:bodyPr wrap="none" rtlCol="0">
+            <a:spAutoFit/>
+          </a:bodyPr>
+          <a:lstStyle/>
+          <a:p>
+            <a:pPr algn="ctr"/>
+            <a:r>
+              <a:rPr lang="en-US" sz="1000" dirty="0"/>
+              <a:t>&lt;&lt;EMT11&gt;&gt;</a:t>
+            </a:r>
+            <a:endParaRPr lang="th-TH" sz="1000" dirty="0"/>
+          </a:p>
+        </p:txBody>
+      </p:sp>
+      <p:sp>
+        <p:nvSpPr>
+          <p:cNvPr id="147" name="TextBox 146">
+            <a:extLst>
+              <a:ext uri="{FF2B5EF4-FFF2-40B4-BE49-F238E27FC236}">
+                <a16:creationId xmlns:a16="http://schemas.microsoft.com/office/drawing/2014/main" id="{9F613722-A518-4517-AFC4-734E9546997B}"/>
+              </a:ext>
+            </a:extLst>
+          </p:cNvPr>
+          <p:cNvSpPr txBox="1"/>
+          <p:nvPr/>
+        </p:nvSpPr>
+        <p:spPr>
+          <a:xfrm>
+            <a:off x="4922731" y="3740125"/>
+            <a:ext cx="806631" cy="246221"/>
+          </a:xfrm>
+          <a:prstGeom prst="rect">
+            <a:avLst/>
+          </a:prstGeom>
+          <a:noFill/>
+        </p:spPr>
+        <p:txBody>
+          <a:bodyPr wrap="none" rtlCol="0">
+            <a:spAutoFit/>
+          </a:bodyPr>
+          <a:lstStyle/>
+          <a:p>
+            <a:pPr algn="ctr"/>
+            <a:r>
+              <a:rPr lang="en-US" sz="1000" dirty="0"/>
+              <a:t>&lt;&lt;EMT10&gt;&gt;</a:t>
+            </a:r>
+            <a:endParaRPr lang="th-TH" sz="1000" dirty="0"/>
+          </a:p>
+        </p:txBody>
+      </p:sp>
+      <p:sp>
+        <p:nvSpPr>
+          <p:cNvPr id="148" name="TextBox 147">
+            <a:extLst>
+              <a:ext uri="{FF2B5EF4-FFF2-40B4-BE49-F238E27FC236}">
+                <a16:creationId xmlns:a16="http://schemas.microsoft.com/office/drawing/2014/main" id="{AB7E8842-2620-410D-98BB-5B105EE6D267}"/>
+              </a:ext>
+            </a:extLst>
+          </p:cNvPr>
+          <p:cNvSpPr txBox="1"/>
+          <p:nvPr/>
+        </p:nvSpPr>
+        <p:spPr>
+          <a:xfrm>
+            <a:off x="4532464" y="3740125"/>
+            <a:ext cx="740908" cy="246221"/>
+          </a:xfrm>
+          <a:prstGeom prst="rect">
+            <a:avLst/>
+          </a:prstGeom>
+          <a:noFill/>
+        </p:spPr>
+        <p:txBody>
+          <a:bodyPr wrap="none" rtlCol="0">
+            <a:spAutoFit/>
+          </a:bodyPr>
+          <a:lstStyle/>
+          <a:p>
+            <a:pPr algn="ctr"/>
+            <a:r>
+              <a:rPr lang="en-US" sz="1000" dirty="0"/>
+              <a:t>&lt;&lt;EMT9&gt;&gt;</a:t>
+            </a:r>
+            <a:endParaRPr lang="th-TH" sz="1000" dirty="0"/>
+          </a:p>
+        </p:txBody>
+      </p:sp>
+      <p:sp>
+        <p:nvSpPr>
+          <p:cNvPr id="149" name="TextBox 148">
+            <a:extLst>
+              <a:ext uri="{FF2B5EF4-FFF2-40B4-BE49-F238E27FC236}">
+                <a16:creationId xmlns:a16="http://schemas.microsoft.com/office/drawing/2014/main" id="{10094EFC-74FE-4923-8C17-AB355A5A3675}"/>
+              </a:ext>
+            </a:extLst>
+          </p:cNvPr>
+          <p:cNvSpPr txBox="1"/>
+          <p:nvPr/>
+        </p:nvSpPr>
+        <p:spPr>
+          <a:xfrm>
+            <a:off x="4078339" y="3740125"/>
+            <a:ext cx="740908" cy="246221"/>
+          </a:xfrm>
+          <a:prstGeom prst="rect">
+            <a:avLst/>
+          </a:prstGeom>
+          <a:noFill/>
+        </p:spPr>
+        <p:txBody>
+          <a:bodyPr wrap="none" rtlCol="0">
+            <a:spAutoFit/>
+          </a:bodyPr>
+          <a:lstStyle/>
+          <a:p>
+            <a:pPr algn="ctr"/>
+            <a:r>
+              <a:rPr lang="en-US" sz="1000" dirty="0"/>
+              <a:t>&lt;&lt;EMT8&gt;&gt;</a:t>
+            </a:r>
+            <a:endParaRPr lang="th-TH" sz="1000" dirty="0"/>
+          </a:p>
+        </p:txBody>
+      </p:sp>
+      <p:sp>
+        <p:nvSpPr>
+          <p:cNvPr id="150" name="TextBox 149">
+            <a:extLst>
+              <a:ext uri="{FF2B5EF4-FFF2-40B4-BE49-F238E27FC236}">
+                <a16:creationId xmlns:a16="http://schemas.microsoft.com/office/drawing/2014/main" id="{F0B8CB11-BADE-4464-8BA1-13D7E3412A2F}"/>
+              </a:ext>
+            </a:extLst>
+          </p:cNvPr>
+          <p:cNvSpPr txBox="1"/>
+          <p:nvPr/>
+        </p:nvSpPr>
+        <p:spPr>
+          <a:xfrm>
+            <a:off x="3647537" y="3740125"/>
+            <a:ext cx="740908" cy="246221"/>
+          </a:xfrm>
+          <a:prstGeom prst="rect">
+            <a:avLst/>
+          </a:prstGeom>
+          <a:noFill/>
+        </p:spPr>
+        <p:txBody>
+          <a:bodyPr wrap="none" rtlCol="0">
+            <a:spAutoFit/>
+          </a:bodyPr>
+          <a:lstStyle/>
+          <a:p>
+            <a:pPr algn="ctr"/>
+            <a:r>
+              <a:rPr lang="en-US" sz="1000" dirty="0"/>
+              <a:t>&lt;&lt;EMT7&gt;&gt;</a:t>
+            </a:r>
+            <a:endParaRPr lang="th-TH" sz="1000" dirty="0"/>
+          </a:p>
+        </p:txBody>
+      </p:sp>
+      <p:sp>
+        <p:nvSpPr>
+          <p:cNvPr id="151" name="TextBox 150">
+            <a:extLst>
+              <a:ext uri="{FF2B5EF4-FFF2-40B4-BE49-F238E27FC236}">
+                <a16:creationId xmlns:a16="http://schemas.microsoft.com/office/drawing/2014/main" id="{933305D1-28FF-44A1-9A76-C2BF29A440A8}"/>
+              </a:ext>
+            </a:extLst>
+          </p:cNvPr>
+          <p:cNvSpPr txBox="1"/>
+          <p:nvPr/>
+        </p:nvSpPr>
+        <p:spPr>
+          <a:xfrm>
+            <a:off x="3177061" y="3740125"/>
+            <a:ext cx="740908" cy="246221"/>
+          </a:xfrm>
+          <a:prstGeom prst="rect">
+            <a:avLst/>
+          </a:prstGeom>
+          <a:noFill/>
+        </p:spPr>
+        <p:txBody>
+          <a:bodyPr wrap="none" rtlCol="0">
+            <a:spAutoFit/>
+          </a:bodyPr>
+          <a:lstStyle/>
+          <a:p>
+            <a:pPr algn="ctr"/>
+            <a:r>
+              <a:rPr lang="en-US" sz="1000" dirty="0"/>
+              <a:t>&lt;&lt;EMT6&gt;&gt;</a:t>
+            </a:r>
+            <a:endParaRPr lang="th-TH" sz="1000" dirty="0"/>
+          </a:p>
+        </p:txBody>
+      </p:sp>
+      <p:sp>
+        <p:nvSpPr>
+          <p:cNvPr id="152" name="TextBox 151">
+            <a:extLst>
+              <a:ext uri="{FF2B5EF4-FFF2-40B4-BE49-F238E27FC236}">
+                <a16:creationId xmlns:a16="http://schemas.microsoft.com/office/drawing/2014/main" id="{29A08DEB-2A90-4449-AA2F-582B6A3F20CA}"/>
+              </a:ext>
+            </a:extLst>
+          </p:cNvPr>
+          <p:cNvSpPr txBox="1"/>
+          <p:nvPr/>
+        </p:nvSpPr>
+        <p:spPr>
+          <a:xfrm>
+            <a:off x="2707200" y="3740125"/>
+            <a:ext cx="740908" cy="246221"/>
+          </a:xfrm>
+          <a:prstGeom prst="rect">
+            <a:avLst/>
+          </a:prstGeom>
+          <a:noFill/>
+        </p:spPr>
+        <p:txBody>
+          <a:bodyPr wrap="none" rtlCol="0">
+            <a:spAutoFit/>
+          </a:bodyPr>
+          <a:lstStyle/>
+          <a:p>
+            <a:pPr algn="ctr"/>
+            <a:r>
+              <a:rPr lang="en-US" sz="1000" dirty="0"/>
+              <a:t>&lt;&lt;EMT5&gt;&gt;</a:t>
+            </a:r>
+            <a:endParaRPr lang="th-TH" sz="1000" dirty="0"/>
+          </a:p>
+        </p:txBody>
+      </p:sp>
+      <p:sp>
+        <p:nvSpPr>
+          <p:cNvPr id="153" name="TextBox 152">
+            <a:extLst>
+              <a:ext uri="{FF2B5EF4-FFF2-40B4-BE49-F238E27FC236}">
+                <a16:creationId xmlns:a16="http://schemas.microsoft.com/office/drawing/2014/main" id="{B0175D46-8885-442D-80DD-C8DEDB88A5A8}"/>
+              </a:ext>
+            </a:extLst>
+          </p:cNvPr>
+          <p:cNvSpPr txBox="1"/>
+          <p:nvPr/>
+        </p:nvSpPr>
+        <p:spPr>
+          <a:xfrm>
+            <a:off x="2228630" y="3740125"/>
+            <a:ext cx="740908" cy="246221"/>
+          </a:xfrm>
+          <a:prstGeom prst="rect">
+            <a:avLst/>
+          </a:prstGeom>
+          <a:noFill/>
+        </p:spPr>
+        <p:txBody>
+          <a:bodyPr wrap="none" rtlCol="0">
+            <a:spAutoFit/>
+          </a:bodyPr>
+          <a:lstStyle/>
+          <a:p>
+            <a:pPr algn="ctr"/>
+            <a:r>
+              <a:rPr lang="en-US" sz="1000" dirty="0"/>
+              <a:t>&lt;&lt;EMT4&gt;&gt;</a:t>
+            </a:r>
+            <a:endParaRPr lang="th-TH" sz="1000" dirty="0"/>
+          </a:p>
+        </p:txBody>
+      </p:sp>
+      <p:sp>
+        <p:nvSpPr>
+          <p:cNvPr id="154" name="TextBox 153">
+            <a:extLst>
+              <a:ext uri="{FF2B5EF4-FFF2-40B4-BE49-F238E27FC236}">
+                <a16:creationId xmlns:a16="http://schemas.microsoft.com/office/drawing/2014/main" id="{7A51B654-9DE7-4554-A97C-F4BDDF4DD9FC}"/>
+              </a:ext>
+            </a:extLst>
+          </p:cNvPr>
+          <p:cNvSpPr txBox="1"/>
+          <p:nvPr/>
+        </p:nvSpPr>
+        <p:spPr>
+          <a:xfrm>
+            <a:off x="1744560" y="3740125"/>
+            <a:ext cx="740908" cy="246221"/>
+          </a:xfrm>
+          <a:prstGeom prst="rect">
+            <a:avLst/>
+          </a:prstGeom>
+          <a:noFill/>
+        </p:spPr>
+        <p:txBody>
+          <a:bodyPr wrap="none" rtlCol="0">
+            <a:spAutoFit/>
+          </a:bodyPr>
+          <a:lstStyle/>
+          <a:p>
+            <a:pPr algn="ctr"/>
+            <a:r>
+              <a:rPr lang="en-US" sz="1000" dirty="0"/>
+              <a:t>&lt;&lt;EMT3&gt;&gt;</a:t>
+            </a:r>
+            <a:endParaRPr lang="th-TH" sz="1000" dirty="0"/>
+          </a:p>
+        </p:txBody>
+      </p:sp>
+      <p:sp>
+        <p:nvSpPr>
+          <p:cNvPr id="155" name="TextBox 154">
+            <a:extLst>
+              <a:ext uri="{FF2B5EF4-FFF2-40B4-BE49-F238E27FC236}">
+                <a16:creationId xmlns:a16="http://schemas.microsoft.com/office/drawing/2014/main" id="{8E9533CE-4123-4397-AAE5-A596E21A93B3}"/>
+              </a:ext>
+            </a:extLst>
+          </p:cNvPr>
+          <p:cNvSpPr txBox="1"/>
+          <p:nvPr/>
+        </p:nvSpPr>
+        <p:spPr>
+          <a:xfrm>
+            <a:off x="1326935" y="3740125"/>
+            <a:ext cx="740908" cy="246221"/>
+          </a:xfrm>
+          <a:prstGeom prst="rect">
+            <a:avLst/>
+          </a:prstGeom>
+          <a:noFill/>
+        </p:spPr>
+        <p:txBody>
+          <a:bodyPr wrap="none" rtlCol="0">
+            <a:spAutoFit/>
+          </a:bodyPr>
+          <a:lstStyle/>
+          <a:p>
+            <a:pPr algn="ctr"/>
+            <a:r>
+              <a:rPr lang="en-US" sz="1000" dirty="0"/>
+              <a:t>&lt;&lt;EMT2&gt;&gt;</a:t>
+            </a:r>
+            <a:endParaRPr lang="th-TH" sz="1000" dirty="0"/>
+          </a:p>
+        </p:txBody>
+      </p:sp>
+      <p:sp>
+        <p:nvSpPr>
+          <p:cNvPr id="156" name="TextBox 155">
+            <a:extLst>
+              <a:ext uri="{FF2B5EF4-FFF2-40B4-BE49-F238E27FC236}">
+                <a16:creationId xmlns:a16="http://schemas.microsoft.com/office/drawing/2014/main" id="{51277E7D-84A2-44C1-BFF0-5B83687FBA80}"/>
+              </a:ext>
+            </a:extLst>
+          </p:cNvPr>
+          <p:cNvSpPr txBox="1"/>
+          <p:nvPr/>
+        </p:nvSpPr>
+        <p:spPr>
+          <a:xfrm>
+            <a:off x="876086" y="3740125"/>
+            <a:ext cx="740908" cy="246221"/>
+          </a:xfrm>
+          <a:prstGeom prst="rect">
+            <a:avLst/>
+          </a:prstGeom>
+          <a:noFill/>
+        </p:spPr>
+        <p:txBody>
+          <a:bodyPr wrap="none" rtlCol="0">
+            <a:spAutoFit/>
+          </a:bodyPr>
+          <a:lstStyle/>
+          <a:p>
+            <a:pPr algn="ctr"/>
+            <a:r>
+              <a:rPr lang="en-US" sz="1000" dirty="0"/>
+              <a:t>&lt;&lt;EMT1&gt;&gt;</a:t>
+            </a:r>
+            <a:endParaRPr lang="th-TH" sz="1000" dirty="0"/>
+          </a:p>
+        </p:txBody>
+      </p:sp>
+      <p:sp>
+        <p:nvSpPr>
+          <p:cNvPr id="112" name="TextBox 111">
+            <a:extLst>
+              <a:ext uri="{FF2B5EF4-FFF2-40B4-BE49-F238E27FC236}">
+                <a16:creationId xmlns:a16="http://schemas.microsoft.com/office/drawing/2014/main" id="{D3939CD8-375E-4F93-B88D-1E791284BF7F}"/>
+              </a:ext>
+            </a:extLst>
+          </p:cNvPr>
+          <p:cNvSpPr txBox="1"/>
+          <p:nvPr/>
+        </p:nvSpPr>
+        <p:spPr>
+          <a:xfrm>
+            <a:off x="5811891" y="3746783"/>
+            <a:ext cx="806631" cy="246221"/>
+          </a:xfrm>
+          <a:prstGeom prst="rect">
+            <a:avLst/>
+          </a:prstGeom>
+          <a:noFill/>
+        </p:spPr>
+        <p:txBody>
+          <a:bodyPr wrap="none" rtlCol="0">
+            <a:spAutoFit/>
+          </a:bodyPr>
+          <a:lstStyle/>
+          <a:p>
+            <a:pPr algn="ctr"/>
+            <a:r>
+              <a:rPr lang="en-US" sz="1000" dirty="0"/>
+              <a:t>&lt;</a:t>
+            </a:r>
+            <a:r>
+              <a:rPr lang="en-US" sz="1000"/>
+              <a:t>&lt;</a:t>
+            </a:r>
+            <a:r>
+              <a:rPr lang="en-US" sz="1000" dirty="0"/>
+              <a:t>EMT12&gt;&gt;</a:t>
+            </a:r>
+            <a:endParaRPr lang="th-TH" sz="1000" dirty="0"/>
           </a:p>
         </p:txBody>
       </p:sp>
